--- a/Calnexus Solutions.pptx
+++ b/Calnexus Solutions.pptx
@@ -15,6 +15,9 @@
     <p:sldId id="262" r:id="rId9"/>
     <p:sldId id="263" r:id="rId10"/>
     <p:sldId id="264" r:id="rId11"/>
+    <p:sldId id="265" r:id="rId12"/>
+    <p:sldId id="266" r:id="rId13"/>
+    <p:sldId id="267" r:id="rId14"/>
   </p:sldIdLst>
   <p:sldSz cx="12192000" cy="6858000"/>
   <p:notesSz cx="6858000" cy="9144000"/>
@@ -6261,8 +6264,8 @@
         </p:nvSpPr>
         <p:spPr>
           <a:xfrm>
-            <a:off x="4437796" y="3523869"/>
-            <a:ext cx="2934269" cy="646331"/>
+            <a:off x="800100" y="3523869"/>
+            <a:ext cx="10362631" cy="1138773"/>
           </a:xfrm>
           <a:prstGeom prst="rect">
             <a:avLst/>
@@ -6274,6 +6277,13 @@
             <a:spAutoFit/>
           </a:bodyPr>
           <a:lstStyle/>
+          <a:p>
+            <a:pPr algn="ctr"/>
+            <a:r>
+              <a:rPr lang="en-US" sz="2400" dirty="0"/>
+              <a:t>Our mission is to help our customers deliver awesome enterprise software quickly.</a:t>
+            </a:r>
+          </a:p>
           <a:p>
             <a:pPr marL="0" marR="0" lvl="0" indent="0" algn="ctr" defTabSz="914400" rtl="0" eaLnBrk="1" fontAlgn="auto" latinLnBrk="0" hangingPunct="1">
               <a:lnSpc>
@@ -6292,24 +6302,7 @@
               <a:tabLst/>
               <a:defRPr/>
             </a:pPr>
-            <a:r>
-              <a:rPr kumimoji="0" lang="en-US" sz="3600" b="0" i="0" u="none" strike="noStrike" kern="1200" cap="none" spc="0" normalizeH="0" baseline="0" noProof="0" dirty="0" smtClean="0">
-                <a:ln>
-                  <a:noFill/>
-                </a:ln>
-                <a:solidFill>
-                  <a:prstClr val="black"/>
-                </a:solidFill>
-                <a:effectLst/>
-                <a:uLnTx/>
-                <a:uFillTx/>
-                <a:latin typeface="Segoe UI Light" panose="020B0502040204020203" pitchFamily="34" charset="0"/>
-                <a:ea typeface="+mn-ea"/>
-                <a:cs typeface="Segoe UI Light" panose="020B0502040204020203" pitchFamily="34" charset="0"/>
-              </a:rPr>
-              <a:t>Proposes</a:t>
-            </a:r>
-            <a:endParaRPr kumimoji="0" lang="en-US" sz="3600" b="0" i="0" u="none" strike="noStrike" kern="1200" cap="none" spc="0" normalizeH="0" baseline="0" noProof="0" dirty="0">
+            <a:endParaRPr kumimoji="0" lang="en-US" sz="4400" b="0" i="0" u="none" strike="noStrike" kern="1200" cap="none" spc="0" normalizeH="0" baseline="0" noProof="0" dirty="0">
               <a:ln>
                 <a:noFill/>
               </a:ln>
@@ -6339,6 +6332,578 @@
   <p:transition spd="slow">
     <p:cover/>
   </p:transition>
+</p:sld>
+</file>
+
+<file path=ppt/slides/slide10.xml><?xml version="1.0" encoding="utf-8"?>
+<p:sld xmlns:a="http://schemas.openxmlformats.org/drawingml/2006/main" xmlns:r="http://schemas.openxmlformats.org/officeDocument/2006/relationships" xmlns:p="http://schemas.openxmlformats.org/presentationml/2006/main">
+  <p:cSld>
+    <p:bg>
+      <p:bgPr>
+        <a:blipFill dpi="0" rotWithShape="1">
+          <a:blip r:embed="rId2">
+            <a:alphaModFix amt="27000"/>
+            <a:lum/>
+          </a:blip>
+          <a:srcRect/>
+          <a:stretch>
+            <a:fillRect t="-5000" b="-5000"/>
+          </a:stretch>
+        </a:blipFill>
+        <a:effectLst/>
+      </p:bgPr>
+    </p:bg>
+    <p:spTree>
+      <p:nvGrpSpPr>
+        <p:cNvPr id="1" name=""/>
+        <p:cNvGrpSpPr/>
+        <p:nvPr/>
+      </p:nvGrpSpPr>
+      <p:grpSpPr>
+        <a:xfrm>
+          <a:off x="0" y="0"/>
+          <a:ext cx="0" cy="0"/>
+          <a:chOff x="0" y="0"/>
+          <a:chExt cx="0" cy="0"/>
+        </a:xfrm>
+      </p:grpSpPr>
+      <p:sp>
+        <p:nvSpPr>
+          <p:cNvPr id="2" name="Title 1"/>
+          <p:cNvSpPr>
+            <a:spLocks noGrp="1"/>
+          </p:cNvSpPr>
+          <p:nvPr>
+            <p:ph type="title"/>
+          </p:nvPr>
+        </p:nvSpPr>
+        <p:spPr/>
+        <p:txBody>
+          <a:bodyPr/>
+          <a:lstStyle/>
+          <a:p>
+            <a:r>
+              <a:rPr lang="en-US" dirty="0">
+                <a:solidFill>
+                  <a:srgbClr val="0070C0"/>
+                </a:solidFill>
+              </a:rPr>
+              <a:t>AI-powered </a:t>
+            </a:r>
+            <a:r>
+              <a:rPr lang="en-US" dirty="0" smtClean="0">
+                <a:solidFill>
+                  <a:srgbClr val="0070C0"/>
+                </a:solidFill>
+              </a:rPr>
+              <a:t>insights</a:t>
+            </a:r>
+            <a:endParaRPr lang="en-US" dirty="0">
+              <a:solidFill>
+                <a:srgbClr val="0070C0"/>
+              </a:solidFill>
+            </a:endParaRPr>
+          </a:p>
+        </p:txBody>
+      </p:sp>
+      <p:sp>
+        <p:nvSpPr>
+          <p:cNvPr id="3" name="Content Placeholder 2"/>
+          <p:cNvSpPr>
+            <a:spLocks noGrp="1"/>
+          </p:cNvSpPr>
+          <p:nvPr>
+            <p:ph idx="1"/>
+          </p:nvPr>
+        </p:nvSpPr>
+        <p:spPr/>
+        <p:txBody>
+          <a:bodyPr/>
+          <a:lstStyle/>
+          <a:p>
+            <a:r>
+              <a:rPr lang="en-US" dirty="0" smtClean="0">
+                <a:latin typeface="Segoe UI Light" panose="020B0502040204020203" pitchFamily="34" charset="0"/>
+                <a:cs typeface="Segoe UI Light" panose="020B0502040204020203" pitchFamily="34" charset="0"/>
+              </a:rPr>
+              <a:t>The system will have the capability to derive and publish artificial intelligence powered insights using the existing patients data.</a:t>
+            </a:r>
+          </a:p>
+          <a:p>
+            <a:r>
+              <a:rPr lang="en-US" dirty="0" smtClean="0">
+                <a:latin typeface="Segoe UI Light" panose="020B0502040204020203" pitchFamily="34" charset="0"/>
+                <a:cs typeface="Segoe UI Light" panose="020B0502040204020203" pitchFamily="34" charset="0"/>
+              </a:rPr>
+              <a:t>This will help all the teams in better planning of the facilities and available infrastructure with ease.</a:t>
+            </a:r>
+            <a:endParaRPr lang="en-US" dirty="0">
+              <a:latin typeface="Segoe UI Light" panose="020B0502040204020203" pitchFamily="34" charset="0"/>
+              <a:cs typeface="Segoe UI Light" panose="020B0502040204020203" pitchFamily="34" charset="0"/>
+            </a:endParaRPr>
+          </a:p>
+        </p:txBody>
+      </p:sp>
+    </p:spTree>
+    <p:extLst>
+      <p:ext uri="{BB962C8B-B14F-4D97-AF65-F5344CB8AC3E}">
+        <p14:creationId xmlns:p14="http://schemas.microsoft.com/office/powerpoint/2010/main" val="3515396432"/>
+      </p:ext>
+    </p:extLst>
+  </p:cSld>
+  <p:clrMapOvr>
+    <a:masterClrMapping/>
+  </p:clrMapOvr>
+</p:sld>
+</file>
+
+<file path=ppt/slides/slide11.xml><?xml version="1.0" encoding="utf-8"?>
+<p:sld xmlns:a="http://schemas.openxmlformats.org/drawingml/2006/main" xmlns:r="http://schemas.openxmlformats.org/officeDocument/2006/relationships" xmlns:p="http://schemas.openxmlformats.org/presentationml/2006/main">
+  <p:cSld>
+    <p:spTree>
+      <p:nvGrpSpPr>
+        <p:cNvPr id="1" name=""/>
+        <p:cNvGrpSpPr/>
+        <p:nvPr/>
+      </p:nvGrpSpPr>
+      <p:grpSpPr>
+        <a:xfrm>
+          <a:off x="0" y="0"/>
+          <a:ext cx="0" cy="0"/>
+          <a:chOff x="0" y="0"/>
+          <a:chExt cx="0" cy="0"/>
+        </a:xfrm>
+      </p:grpSpPr>
+      <p:sp>
+        <p:nvSpPr>
+          <p:cNvPr id="2" name="Title 1"/>
+          <p:cNvSpPr>
+            <a:spLocks noGrp="1"/>
+          </p:cNvSpPr>
+          <p:nvPr>
+            <p:ph type="title"/>
+          </p:nvPr>
+        </p:nvSpPr>
+        <p:spPr/>
+        <p:txBody>
+          <a:bodyPr/>
+          <a:lstStyle/>
+          <a:p>
+            <a:r>
+              <a:rPr lang="en-US" dirty="0" smtClean="0">
+                <a:solidFill>
+                  <a:srgbClr val="0070C0"/>
+                </a:solidFill>
+              </a:rPr>
+              <a:t>Patient Management</a:t>
+            </a:r>
+            <a:endParaRPr lang="en-US" dirty="0">
+              <a:solidFill>
+                <a:srgbClr val="0070C0"/>
+              </a:solidFill>
+            </a:endParaRPr>
+          </a:p>
+        </p:txBody>
+      </p:sp>
+      <p:sp>
+        <p:nvSpPr>
+          <p:cNvPr id="3" name="Content Placeholder 2"/>
+          <p:cNvSpPr>
+            <a:spLocks noGrp="1"/>
+          </p:cNvSpPr>
+          <p:nvPr>
+            <p:ph idx="1"/>
+          </p:nvPr>
+        </p:nvSpPr>
+        <p:spPr>
+          <a:xfrm>
+            <a:off x="838200" y="1825624"/>
+            <a:ext cx="10515600" cy="4703764"/>
+          </a:xfrm>
+        </p:spPr>
+        <p:txBody>
+          <a:bodyPr/>
+          <a:lstStyle/>
+          <a:p>
+            <a:pPr marL="0" indent="0">
+              <a:buNone/>
+            </a:pPr>
+            <a:r>
+              <a:rPr lang="en-US" dirty="0" smtClean="0">
+                <a:solidFill>
+                  <a:srgbClr val="0070C0"/>
+                </a:solidFill>
+                <a:latin typeface="Segoe UI Light" panose="020B0502040204020203" pitchFamily="34" charset="0"/>
+                <a:cs typeface="Segoe UI Light" panose="020B0502040204020203" pitchFamily="34" charset="0"/>
+              </a:rPr>
+              <a:t>Patient</a:t>
+            </a:r>
+            <a:r>
+              <a:rPr lang="en-US" dirty="0" smtClean="0">
+                <a:latin typeface="Segoe UI Light" panose="020B0502040204020203" pitchFamily="34" charset="0"/>
+                <a:cs typeface="Segoe UI Light" panose="020B0502040204020203" pitchFamily="34" charset="0"/>
+              </a:rPr>
+              <a:t> </a:t>
+            </a:r>
+            <a:r>
+              <a:rPr lang="en-US" dirty="0" smtClean="0">
+                <a:solidFill>
+                  <a:srgbClr val="C00000"/>
+                </a:solidFill>
+                <a:latin typeface="Segoe UI Light" panose="020B0502040204020203" pitchFamily="34" charset="0"/>
+                <a:cs typeface="Segoe UI Light" panose="020B0502040204020203" pitchFamily="34" charset="0"/>
+              </a:rPr>
+              <a:t>management</a:t>
+            </a:r>
+            <a:r>
+              <a:rPr lang="en-US" dirty="0" smtClean="0">
+                <a:latin typeface="Segoe UI Light" panose="020B0502040204020203" pitchFamily="34" charset="0"/>
+                <a:cs typeface="Segoe UI Light" panose="020B0502040204020203" pitchFamily="34" charset="0"/>
+              </a:rPr>
+              <a:t> module will have the ultimate features second to none powered by a simple user interface and precise quality user experience. Its features will include and not limited to</a:t>
+            </a:r>
+          </a:p>
+          <a:p>
+            <a:r>
+              <a:rPr lang="en-US" dirty="0" smtClean="0">
+                <a:latin typeface="Segoe UI Light" panose="020B0502040204020203" pitchFamily="34" charset="0"/>
+                <a:cs typeface="Segoe UI Light" panose="020B0502040204020203" pitchFamily="34" charset="0"/>
+              </a:rPr>
+              <a:t>Ability </a:t>
+            </a:r>
+            <a:r>
+              <a:rPr lang="en-US" dirty="0">
+                <a:latin typeface="Segoe UI Light" panose="020B0502040204020203" pitchFamily="34" charset="0"/>
+                <a:cs typeface="Segoe UI Light" panose="020B0502040204020203" pitchFamily="34" charset="0"/>
+              </a:rPr>
+              <a:t>to request appointment.</a:t>
+            </a:r>
+          </a:p>
+          <a:p>
+            <a:r>
+              <a:rPr lang="en-US" dirty="0" smtClean="0">
+                <a:latin typeface="Segoe UI Light" panose="020B0502040204020203" pitchFamily="34" charset="0"/>
+                <a:cs typeface="Segoe UI Light" panose="020B0502040204020203" pitchFamily="34" charset="0"/>
+              </a:rPr>
+              <a:t>Keep </a:t>
+            </a:r>
+            <a:r>
+              <a:rPr lang="en-US" dirty="0">
+                <a:latin typeface="Segoe UI Light" panose="020B0502040204020203" pitchFamily="34" charset="0"/>
+                <a:cs typeface="Segoe UI Light" panose="020B0502040204020203" pitchFamily="34" charset="0"/>
+              </a:rPr>
+              <a:t>patient records, prescriptions and medications.</a:t>
+            </a:r>
+          </a:p>
+          <a:p>
+            <a:r>
+              <a:rPr lang="en-US" dirty="0" smtClean="0">
+                <a:latin typeface="Segoe UI Light" panose="020B0502040204020203" pitchFamily="34" charset="0"/>
+                <a:cs typeface="Segoe UI Light" panose="020B0502040204020203" pitchFamily="34" charset="0"/>
+              </a:rPr>
+              <a:t>Keep </a:t>
+            </a:r>
+            <a:r>
+              <a:rPr lang="en-US" dirty="0">
+                <a:latin typeface="Segoe UI Light" panose="020B0502040204020203" pitchFamily="34" charset="0"/>
+                <a:cs typeface="Segoe UI Light" panose="020B0502040204020203" pitchFamily="34" charset="0"/>
+              </a:rPr>
+              <a:t>track of patient payments.</a:t>
+            </a:r>
+          </a:p>
+          <a:p>
+            <a:r>
+              <a:rPr lang="en-US" dirty="0" smtClean="0">
+                <a:latin typeface="Segoe UI Light" panose="020B0502040204020203" pitchFamily="34" charset="0"/>
+                <a:cs typeface="Segoe UI Light" panose="020B0502040204020203" pitchFamily="34" charset="0"/>
+              </a:rPr>
+              <a:t>See </a:t>
+            </a:r>
+            <a:r>
+              <a:rPr lang="en-US" dirty="0">
+                <a:latin typeface="Segoe UI Light" panose="020B0502040204020203" pitchFamily="34" charset="0"/>
+                <a:cs typeface="Segoe UI Light" panose="020B0502040204020203" pitchFamily="34" charset="0"/>
+              </a:rPr>
+              <a:t>all customer diagnostics.</a:t>
+            </a:r>
+          </a:p>
+          <a:p>
+            <a:r>
+              <a:rPr lang="en-US" dirty="0" smtClean="0">
+                <a:latin typeface="Segoe UI Light" panose="020B0502040204020203" pitchFamily="34" charset="0"/>
+                <a:cs typeface="Segoe UI Light" panose="020B0502040204020203" pitchFamily="34" charset="0"/>
+              </a:rPr>
+              <a:t>Manage </a:t>
+            </a:r>
+            <a:r>
+              <a:rPr lang="en-US" dirty="0">
+                <a:latin typeface="Segoe UI Light" panose="020B0502040204020203" pitchFamily="34" charset="0"/>
+                <a:cs typeface="Segoe UI Light" panose="020B0502040204020203" pitchFamily="34" charset="0"/>
+              </a:rPr>
+              <a:t>operation reports.</a:t>
+            </a:r>
+          </a:p>
+          <a:p>
+            <a:r>
+              <a:rPr lang="en-US" dirty="0" smtClean="0">
+                <a:latin typeface="Segoe UI Light" panose="020B0502040204020203" pitchFamily="34" charset="0"/>
+                <a:cs typeface="Segoe UI Light" panose="020B0502040204020203" pitchFamily="34" charset="0"/>
+              </a:rPr>
+              <a:t>Private </a:t>
+            </a:r>
+            <a:r>
+              <a:rPr lang="en-US" dirty="0">
+                <a:latin typeface="Segoe UI Light" panose="020B0502040204020203" pitchFamily="34" charset="0"/>
+                <a:cs typeface="Segoe UI Light" panose="020B0502040204020203" pitchFamily="34" charset="0"/>
+              </a:rPr>
+              <a:t>communication between doctor and patient.</a:t>
+            </a:r>
+          </a:p>
+          <a:p>
+            <a:endParaRPr lang="en-US" dirty="0">
+              <a:latin typeface="Segoe UI Light" panose="020B0502040204020203" pitchFamily="34" charset="0"/>
+              <a:cs typeface="Segoe UI Light" panose="020B0502040204020203" pitchFamily="34" charset="0"/>
+            </a:endParaRPr>
+          </a:p>
+        </p:txBody>
+      </p:sp>
+    </p:spTree>
+    <p:extLst>
+      <p:ext uri="{BB962C8B-B14F-4D97-AF65-F5344CB8AC3E}">
+        <p14:creationId xmlns:p14="http://schemas.microsoft.com/office/powerpoint/2010/main" val="2740306188"/>
+      </p:ext>
+    </p:extLst>
+  </p:cSld>
+  <p:clrMapOvr>
+    <a:masterClrMapping/>
+  </p:clrMapOvr>
+</p:sld>
+</file>
+
+<file path=ppt/slides/slide12.xml><?xml version="1.0" encoding="utf-8"?>
+<p:sld xmlns:a="http://schemas.openxmlformats.org/drawingml/2006/main" xmlns:r="http://schemas.openxmlformats.org/officeDocument/2006/relationships" xmlns:p="http://schemas.openxmlformats.org/presentationml/2006/main">
+  <p:cSld>
+    <p:spTree>
+      <p:nvGrpSpPr>
+        <p:cNvPr id="1" name=""/>
+        <p:cNvGrpSpPr/>
+        <p:nvPr/>
+      </p:nvGrpSpPr>
+      <p:grpSpPr>
+        <a:xfrm>
+          <a:off x="0" y="0"/>
+          <a:ext cx="0" cy="0"/>
+          <a:chOff x="0" y="0"/>
+          <a:chExt cx="0" cy="0"/>
+        </a:xfrm>
+      </p:grpSpPr>
+      <p:sp>
+        <p:nvSpPr>
+          <p:cNvPr id="2" name="Title 1"/>
+          <p:cNvSpPr>
+            <a:spLocks noGrp="1"/>
+          </p:cNvSpPr>
+          <p:nvPr>
+            <p:ph type="title"/>
+          </p:nvPr>
+        </p:nvSpPr>
+        <p:spPr/>
+        <p:txBody>
+          <a:bodyPr/>
+          <a:lstStyle/>
+          <a:p>
+            <a:r>
+              <a:rPr lang="en-US" dirty="0" smtClean="0">
+                <a:solidFill>
+                  <a:srgbClr val="0070C0"/>
+                </a:solidFill>
+              </a:rPr>
+              <a:t>Hospital </a:t>
+            </a:r>
+            <a:r>
+              <a:rPr lang="en-US" dirty="0">
+                <a:solidFill>
+                  <a:srgbClr val="0070C0"/>
+                </a:solidFill>
+              </a:rPr>
+              <a:t>B</a:t>
+            </a:r>
+            <a:r>
+              <a:rPr lang="en-US" dirty="0" smtClean="0">
+                <a:solidFill>
+                  <a:srgbClr val="0070C0"/>
+                </a:solidFill>
+              </a:rPr>
+              <a:t>ased Management</a:t>
+            </a:r>
+            <a:endParaRPr lang="en-US" dirty="0">
+              <a:solidFill>
+                <a:srgbClr val="0070C0"/>
+              </a:solidFill>
+            </a:endParaRPr>
+          </a:p>
+        </p:txBody>
+      </p:sp>
+      <p:sp>
+        <p:nvSpPr>
+          <p:cNvPr id="3" name="Content Placeholder 2"/>
+          <p:cNvSpPr>
+            <a:spLocks noGrp="1"/>
+          </p:cNvSpPr>
+          <p:nvPr>
+            <p:ph idx="1"/>
+          </p:nvPr>
+        </p:nvSpPr>
+        <p:spPr/>
+        <p:txBody>
+          <a:bodyPr/>
+          <a:lstStyle/>
+          <a:p>
+            <a:pPr marL="0" indent="0">
+              <a:buNone/>
+            </a:pPr>
+            <a:r>
+              <a:rPr lang="en-US" dirty="0" smtClean="0">
+                <a:latin typeface="Segoe UI Light" panose="020B0502040204020203" pitchFamily="34" charset="0"/>
+                <a:cs typeface="Segoe UI Light" panose="020B0502040204020203" pitchFamily="34" charset="0"/>
+              </a:rPr>
+              <a:t>The </a:t>
+            </a:r>
+            <a:r>
+              <a:rPr lang="en-US" dirty="0" smtClean="0">
+                <a:solidFill>
+                  <a:srgbClr val="C00000"/>
+                </a:solidFill>
+                <a:latin typeface="Segoe UI Light" panose="020B0502040204020203" pitchFamily="34" charset="0"/>
+                <a:cs typeface="Segoe UI Light" panose="020B0502040204020203" pitchFamily="34" charset="0"/>
+              </a:rPr>
+              <a:t>custom</a:t>
+            </a:r>
+            <a:r>
+              <a:rPr lang="en-US" dirty="0" smtClean="0">
+                <a:latin typeface="Segoe UI Light" panose="020B0502040204020203" pitchFamily="34" charset="0"/>
+                <a:cs typeface="Segoe UI Light" panose="020B0502040204020203" pitchFamily="34" charset="0"/>
+              </a:rPr>
+              <a:t> </a:t>
+            </a:r>
+            <a:r>
+              <a:rPr lang="en-US" dirty="0" smtClean="0">
+                <a:solidFill>
+                  <a:srgbClr val="0070C0"/>
+                </a:solidFill>
+                <a:latin typeface="Segoe UI Light" panose="020B0502040204020203" pitchFamily="34" charset="0"/>
+                <a:cs typeface="Segoe UI Light" panose="020B0502040204020203" pitchFamily="34" charset="0"/>
+              </a:rPr>
+              <a:t>solution</a:t>
+            </a:r>
+            <a:r>
+              <a:rPr lang="en-US" dirty="0" smtClean="0">
+                <a:latin typeface="Segoe UI Light" panose="020B0502040204020203" pitchFamily="34" charset="0"/>
+                <a:cs typeface="Segoe UI Light" panose="020B0502040204020203" pitchFamily="34" charset="0"/>
+              </a:rPr>
+              <a:t> will have features that manage core hospital operations which include:</a:t>
+            </a:r>
+            <a:endParaRPr lang="en-US" dirty="0">
+              <a:latin typeface="Segoe UI Light" panose="020B0502040204020203" pitchFamily="34" charset="0"/>
+              <a:cs typeface="Segoe UI Light" panose="020B0502040204020203" pitchFamily="34" charset="0"/>
+            </a:endParaRPr>
+          </a:p>
+          <a:p>
+            <a:r>
+              <a:rPr lang="en-US" dirty="0">
+                <a:latin typeface="Segoe UI Light" panose="020B0502040204020203" pitchFamily="34" charset="0"/>
+                <a:cs typeface="Segoe UI Light" panose="020B0502040204020203" pitchFamily="34" charset="0"/>
+              </a:rPr>
+              <a:t>Manage Blood Banks</a:t>
+            </a:r>
+          </a:p>
+          <a:p>
+            <a:r>
+              <a:rPr lang="en-US" dirty="0" smtClean="0">
+                <a:latin typeface="Segoe UI Light" panose="020B0502040204020203" pitchFamily="34" charset="0"/>
+                <a:cs typeface="Segoe UI Light" panose="020B0502040204020203" pitchFamily="34" charset="0"/>
+              </a:rPr>
+              <a:t>Keep </a:t>
+            </a:r>
+            <a:r>
+              <a:rPr lang="en-US" dirty="0">
+                <a:latin typeface="Segoe UI Light" panose="020B0502040204020203" pitchFamily="34" charset="0"/>
+                <a:cs typeface="Segoe UI Light" panose="020B0502040204020203" pitchFamily="34" charset="0"/>
+              </a:rPr>
+              <a:t>records of blood donors</a:t>
+            </a:r>
+          </a:p>
+          <a:p>
+            <a:r>
+              <a:rPr lang="en-US" dirty="0" smtClean="0">
+                <a:latin typeface="Segoe UI Light" panose="020B0502040204020203" pitchFamily="34" charset="0"/>
+                <a:cs typeface="Segoe UI Light" panose="020B0502040204020203" pitchFamily="34" charset="0"/>
+              </a:rPr>
+              <a:t>Allotments </a:t>
+            </a:r>
+            <a:r>
+              <a:rPr lang="en-US" dirty="0">
+                <a:latin typeface="Segoe UI Light" panose="020B0502040204020203" pitchFamily="34" charset="0"/>
+                <a:cs typeface="Segoe UI Light" panose="020B0502040204020203" pitchFamily="34" charset="0"/>
+              </a:rPr>
+              <a:t>of beds and wards</a:t>
+            </a:r>
+          </a:p>
+          <a:p>
+            <a:r>
+              <a:rPr lang="en-US" dirty="0" smtClean="0">
+                <a:latin typeface="Segoe UI Light" panose="020B0502040204020203" pitchFamily="34" charset="0"/>
+                <a:cs typeface="Segoe UI Light" panose="020B0502040204020203" pitchFamily="34" charset="0"/>
+              </a:rPr>
+              <a:t>Keep </a:t>
+            </a:r>
+            <a:r>
+              <a:rPr lang="en-US" dirty="0">
+                <a:latin typeface="Segoe UI Light" panose="020B0502040204020203" pitchFamily="34" charset="0"/>
+                <a:cs typeface="Segoe UI Light" panose="020B0502040204020203" pitchFamily="34" charset="0"/>
+              </a:rPr>
+              <a:t>Medicine Records</a:t>
+            </a:r>
+          </a:p>
+          <a:p>
+            <a:r>
+              <a:rPr lang="en-US" dirty="0" smtClean="0">
+                <a:latin typeface="Segoe UI Light" panose="020B0502040204020203" pitchFamily="34" charset="0"/>
+                <a:cs typeface="Segoe UI Light" panose="020B0502040204020203" pitchFamily="34" charset="0"/>
+              </a:rPr>
+              <a:t>Pay slip </a:t>
+            </a:r>
+            <a:r>
+              <a:rPr lang="en-US" dirty="0">
+                <a:latin typeface="Segoe UI Light" panose="020B0502040204020203" pitchFamily="34" charset="0"/>
+                <a:cs typeface="Segoe UI Light" panose="020B0502040204020203" pitchFamily="34" charset="0"/>
+              </a:rPr>
+              <a:t>generation for hospital </a:t>
+            </a:r>
+            <a:r>
+              <a:rPr lang="en-US" dirty="0" smtClean="0">
+                <a:latin typeface="Segoe UI Light" panose="020B0502040204020203" pitchFamily="34" charset="0"/>
+                <a:cs typeface="Segoe UI Light" panose="020B0502040204020203" pitchFamily="34" charset="0"/>
+              </a:rPr>
+              <a:t>staff</a:t>
+            </a:r>
+            <a:endParaRPr lang="en-US" dirty="0">
+              <a:latin typeface="Segoe UI Light" panose="020B0502040204020203" pitchFamily="34" charset="0"/>
+              <a:cs typeface="Segoe UI Light" panose="020B0502040204020203" pitchFamily="34" charset="0"/>
+            </a:endParaRPr>
+          </a:p>
+        </p:txBody>
+      </p:sp>
+    </p:spTree>
+    <p:extLst>
+      <p:ext uri="{BB962C8B-B14F-4D97-AF65-F5344CB8AC3E}">
+        <p14:creationId xmlns:p14="http://schemas.microsoft.com/office/powerpoint/2010/main" val="3025199632"/>
+      </p:ext>
+    </p:extLst>
+  </p:cSld>
+  <p:clrMapOvr>
+    <a:masterClrMapping/>
+  </p:clrMapOvr>
 </p:sld>
 </file>
 
@@ -6579,6 +7144,9 @@
           </a:bodyPr>
           <a:lstStyle/>
           <a:p>
+            <a:pPr marL="0" indent="0">
+              <a:buNone/>
+            </a:pPr>
             <a:r>
               <a:rPr lang="en-US" dirty="0">
                 <a:latin typeface="Segoe UI Light" panose="020B0502040204020203" pitchFamily="34" charset="0"/>
@@ -6595,6 +7163,9 @@
             </a:r>
           </a:p>
           <a:p>
+            <a:pPr marL="0" indent="0">
+              <a:buNone/>
+            </a:pPr>
             <a:r>
               <a:rPr lang="en-US" dirty="0" smtClean="0">
                 <a:latin typeface="Segoe UI Light" panose="020B0502040204020203" pitchFamily="34" charset="0"/>
@@ -6638,6 +7209,9 @@
             </a:r>
           </a:p>
           <a:p>
+            <a:pPr marL="0" indent="0">
+              <a:buNone/>
+            </a:pPr>
             <a:r>
               <a:rPr lang="en-US" dirty="0" smtClean="0">
                 <a:latin typeface="Segoe UI Light" panose="020B0502040204020203" pitchFamily="34" charset="0"/>
@@ -6879,6 +7453,9 @@
           <a:bodyPr/>
           <a:lstStyle/>
           <a:p>
+            <a:pPr marL="0" indent="0">
+              <a:buNone/>
+            </a:pPr>
             <a:r>
               <a:rPr lang="en-US" dirty="0" smtClean="0">
                 <a:latin typeface="Segoe UI Light" panose="020B0502040204020203" pitchFamily="34" charset="0"/>
@@ -6888,6 +7465,9 @@
             </a:r>
           </a:p>
           <a:p>
+            <a:pPr marL="0" indent="0">
+              <a:buNone/>
+            </a:pPr>
             <a:r>
               <a:rPr lang="en-US" dirty="0" smtClean="0">
                 <a:latin typeface="Segoe UI Light" panose="020B0502040204020203" pitchFamily="34" charset="0"/>
@@ -6897,6 +7477,9 @@
             </a:r>
           </a:p>
           <a:p>
+            <a:pPr marL="0" indent="0">
+              <a:buNone/>
+            </a:pPr>
             <a:r>
               <a:rPr lang="en-US" dirty="0">
                 <a:latin typeface="Segoe UI Light" panose="020B0502040204020203" pitchFamily="34" charset="0"/>
@@ -6906,6 +7489,9 @@
             </a:r>
           </a:p>
           <a:p>
+            <a:pPr marL="0" indent="0">
+              <a:buNone/>
+            </a:pPr>
             <a:endParaRPr lang="en-US" dirty="0">
               <a:latin typeface="Segoe UI Light" panose="020B0502040204020203" pitchFamily="34" charset="0"/>
               <a:cs typeface="Segoe UI Light" panose="020B0502040204020203" pitchFamily="34" charset="0"/>
@@ -7012,6 +7598,9 @@
           <a:bodyPr/>
           <a:lstStyle/>
           <a:p>
+            <a:pPr marL="0" indent="0">
+              <a:buNone/>
+            </a:pPr>
             <a:r>
               <a:rPr lang="en-US" dirty="0" smtClean="0">
                 <a:latin typeface="Segoe UI Light" panose="020B0502040204020203" pitchFamily="34" charset="0"/>
@@ -7162,6 +7751,9 @@
           <a:bodyPr/>
           <a:lstStyle/>
           <a:p>
+            <a:pPr marL="0" indent="0">
+              <a:buNone/>
+            </a:pPr>
             <a:r>
               <a:rPr lang="en-US" dirty="0">
                 <a:latin typeface="Segoe UI Light" panose="020B0502040204020203" pitchFamily="34" charset="0"/>
@@ -7299,6 +7891,9 @@
           <a:bodyPr/>
           <a:lstStyle/>
           <a:p>
+            <a:pPr marL="0" indent="0">
+              <a:buNone/>
+            </a:pPr>
             <a:r>
               <a:rPr lang="en-US" dirty="0">
                 <a:latin typeface="Segoe UI Light" panose="020B0502040204020203" pitchFamily="34" charset="0"/>
@@ -7315,6 +7910,9 @@
             </a:r>
           </a:p>
           <a:p>
+            <a:pPr marL="0" indent="0">
+              <a:buNone/>
+            </a:pPr>
             <a:r>
               <a:rPr lang="en-US" dirty="0" smtClean="0">
                 <a:latin typeface="Segoe UI Light" panose="020B0502040204020203" pitchFamily="34" charset="0"/>
